--- a/Non-code/Comsol sim/MaterialConstants.pptx
+++ b/Non-code/Comsol sim/MaterialConstants.pptx
@@ -12,6 +12,7 @@
     <p:sldId id="260" r:id="rId6"/>
     <p:sldId id="261" r:id="rId7"/>
     <p:sldId id="262" r:id="rId8"/>
+    <p:sldId id="263" r:id="rId9"/>
   </p:sldIdLst>
   <p:sldSz cx="12192000" cy="6858000"/>
   <p:notesSz cx="6858000" cy="9144000"/>
@@ -265,7 +266,7 @@
           <a:p>
             <a:fld id="{6B7F3E74-99A9-4E4E-92BF-C43B20EE7F08}" type="datetimeFigureOut">
               <a:rPr lang="en-US" smtClean="0"/>
-              <a:t>7/15/2025</a:t>
+              <a:t>7/17/2025</a:t>
             </a:fld>
             <a:endParaRPr lang="en-US"/>
           </a:p>
@@ -463,7 +464,7 @@
           <a:p>
             <a:fld id="{6B7F3E74-99A9-4E4E-92BF-C43B20EE7F08}" type="datetimeFigureOut">
               <a:rPr lang="en-US" smtClean="0"/>
-              <a:t>7/15/2025</a:t>
+              <a:t>7/17/2025</a:t>
             </a:fld>
             <a:endParaRPr lang="en-US"/>
           </a:p>
@@ -671,7 +672,7 @@
           <a:p>
             <a:fld id="{6B7F3E74-99A9-4E4E-92BF-C43B20EE7F08}" type="datetimeFigureOut">
               <a:rPr lang="en-US" smtClean="0"/>
-              <a:t>7/15/2025</a:t>
+              <a:t>7/17/2025</a:t>
             </a:fld>
             <a:endParaRPr lang="en-US"/>
           </a:p>
@@ -869,7 +870,7 @@
           <a:p>
             <a:fld id="{6B7F3E74-99A9-4E4E-92BF-C43B20EE7F08}" type="datetimeFigureOut">
               <a:rPr lang="en-US" smtClean="0"/>
-              <a:t>7/15/2025</a:t>
+              <a:t>7/17/2025</a:t>
             </a:fld>
             <a:endParaRPr lang="en-US"/>
           </a:p>
@@ -1144,7 +1145,7 @@
           <a:p>
             <a:fld id="{6B7F3E74-99A9-4E4E-92BF-C43B20EE7F08}" type="datetimeFigureOut">
               <a:rPr lang="en-US" smtClean="0"/>
-              <a:t>7/15/2025</a:t>
+              <a:t>7/17/2025</a:t>
             </a:fld>
             <a:endParaRPr lang="en-US"/>
           </a:p>
@@ -1409,7 +1410,7 @@
           <a:p>
             <a:fld id="{6B7F3E74-99A9-4E4E-92BF-C43B20EE7F08}" type="datetimeFigureOut">
               <a:rPr lang="en-US" smtClean="0"/>
-              <a:t>7/15/2025</a:t>
+              <a:t>7/17/2025</a:t>
             </a:fld>
             <a:endParaRPr lang="en-US"/>
           </a:p>
@@ -1821,7 +1822,7 @@
           <a:p>
             <a:fld id="{6B7F3E74-99A9-4E4E-92BF-C43B20EE7F08}" type="datetimeFigureOut">
               <a:rPr lang="en-US" smtClean="0"/>
-              <a:t>7/15/2025</a:t>
+              <a:t>7/17/2025</a:t>
             </a:fld>
             <a:endParaRPr lang="en-US"/>
           </a:p>
@@ -1962,7 +1963,7 @@
           <a:p>
             <a:fld id="{6B7F3E74-99A9-4E4E-92BF-C43B20EE7F08}" type="datetimeFigureOut">
               <a:rPr lang="en-US" smtClean="0"/>
-              <a:t>7/15/2025</a:t>
+              <a:t>7/17/2025</a:t>
             </a:fld>
             <a:endParaRPr lang="en-US"/>
           </a:p>
@@ -2075,7 +2076,7 @@
           <a:p>
             <a:fld id="{6B7F3E74-99A9-4E4E-92BF-C43B20EE7F08}" type="datetimeFigureOut">
               <a:rPr lang="en-US" smtClean="0"/>
-              <a:t>7/15/2025</a:t>
+              <a:t>7/17/2025</a:t>
             </a:fld>
             <a:endParaRPr lang="en-US"/>
           </a:p>
@@ -2386,7 +2387,7 @@
           <a:p>
             <a:fld id="{6B7F3E74-99A9-4E4E-92BF-C43B20EE7F08}" type="datetimeFigureOut">
               <a:rPr lang="en-US" smtClean="0"/>
-              <a:t>7/15/2025</a:t>
+              <a:t>7/17/2025</a:t>
             </a:fld>
             <a:endParaRPr lang="en-US"/>
           </a:p>
@@ -2674,7 +2675,7 @@
           <a:p>
             <a:fld id="{6B7F3E74-99A9-4E4E-92BF-C43B20EE7F08}" type="datetimeFigureOut">
               <a:rPr lang="en-US" smtClean="0"/>
-              <a:t>7/15/2025</a:t>
+              <a:t>7/17/2025</a:t>
             </a:fld>
             <a:endParaRPr lang="en-US"/>
           </a:p>
@@ -2915,7 +2916,7 @@
           <a:p>
             <a:fld id="{6B7F3E74-99A9-4E4E-92BF-C43B20EE7F08}" type="datetimeFigureOut">
               <a:rPr lang="en-US" smtClean="0"/>
-              <a:t>7/15/2025</a:t>
+              <a:t>7/17/2025</a:t>
             </a:fld>
             <a:endParaRPr lang="en-US"/>
           </a:p>
@@ -3643,6 +3644,50 @@
           </a:p>
         </p:txBody>
       </p:sp>
+      <p:sp>
+        <p:nvSpPr>
+          <p:cNvPr id="2" name="TextBox 1">
+            <a:extLst>
+              <a:ext uri="{FF2B5EF4-FFF2-40B4-BE49-F238E27FC236}">
+                <a16:creationId xmlns:a16="http://schemas.microsoft.com/office/drawing/2014/main" id="{F6490936-816F-47E7-B6D1-09847623E18B}"/>
+              </a:ext>
+            </a:extLst>
+          </p:cNvPr>
+          <p:cNvSpPr txBox="1"/>
+          <p:nvPr/>
+        </p:nvSpPr>
+        <p:spPr>
+          <a:xfrm>
+            <a:off x="1175657" y="4432663"/>
+            <a:ext cx="2325189" cy="2308324"/>
+          </a:xfrm>
+          <a:prstGeom prst="rect">
+            <a:avLst/>
+          </a:prstGeom>
+          <a:noFill/>
+        </p:spPr>
+        <p:txBody>
+          <a:bodyPr wrap="square" rtlCol="0">
+            <a:spAutoFit/>
+          </a:bodyPr>
+          <a:lstStyle/>
+          <a:p>
+            <a:r>
+              <a:rPr lang="en-US" dirty="0">
+                <a:hlinkClick r:id="rId2"/>
+              </a:rPr>
+              <a:t>https://arraysolders.com/wp-content/uploads/2023/06/TDS-for-Sac305.pdf</a:t>
+            </a:r>
+            <a:endParaRPr lang="en-US" dirty="0"/>
+          </a:p>
+          <a:p>
+            <a:r>
+              <a:rPr lang="en-US" dirty="0"/>
+              <a:t>SAC305 electrical conductivity: 8.5 × 10^6 S/m</a:t>
+            </a:r>
+          </a:p>
+        </p:txBody>
+      </p:sp>
     </p:spTree>
     <p:extLst>
       <p:ext uri="{BB962C8B-B14F-4D97-AF65-F5344CB8AC3E}">
@@ -4255,6 +4300,101 @@
     <p:extLst>
       <p:ext uri="{BB962C8B-B14F-4D97-AF65-F5344CB8AC3E}">
         <p14:creationId xmlns:p14="http://schemas.microsoft.com/office/powerpoint/2010/main" val="1652365595"/>
+      </p:ext>
+    </p:extLst>
+  </p:cSld>
+  <p:clrMapOvr>
+    <a:masterClrMapping/>
+  </p:clrMapOvr>
+</p:sld>
+</file>
+
+<file path=ppt/slides/slide8.xml><?xml version="1.0" encoding="utf-8"?>
+<p:sld xmlns:a="http://schemas.openxmlformats.org/drawingml/2006/main" xmlns:r="http://schemas.openxmlformats.org/officeDocument/2006/relationships" xmlns:p="http://schemas.openxmlformats.org/presentationml/2006/main">
+  <p:cSld>
+    <p:spTree>
+      <p:nvGrpSpPr>
+        <p:cNvPr id="1" name=""/>
+        <p:cNvGrpSpPr/>
+        <p:nvPr/>
+      </p:nvGrpSpPr>
+      <p:grpSpPr>
+        <a:xfrm>
+          <a:off x="0" y="0"/>
+          <a:ext cx="0" cy="0"/>
+          <a:chOff x="0" y="0"/>
+          <a:chExt cx="0" cy="0"/>
+        </a:xfrm>
+      </p:grpSpPr>
+      <p:sp>
+        <p:nvSpPr>
+          <p:cNvPr id="2" name="TextBox 1">
+            <a:extLst>
+              <a:ext uri="{FF2B5EF4-FFF2-40B4-BE49-F238E27FC236}">
+                <a16:creationId xmlns:a16="http://schemas.microsoft.com/office/drawing/2014/main" id="{DF09EEF6-64E4-4135-AA02-3751AC6D2A01}"/>
+              </a:ext>
+            </a:extLst>
+          </p:cNvPr>
+          <p:cNvSpPr txBox="1"/>
+          <p:nvPr/>
+        </p:nvSpPr>
+        <p:spPr>
+          <a:xfrm>
+            <a:off x="531222" y="505097"/>
+            <a:ext cx="3457303" cy="2585323"/>
+          </a:xfrm>
+          <a:prstGeom prst="rect">
+            <a:avLst/>
+          </a:prstGeom>
+          <a:noFill/>
+        </p:spPr>
+        <p:txBody>
+          <a:bodyPr wrap="square" rtlCol="0">
+            <a:spAutoFit/>
+          </a:bodyPr>
+          <a:lstStyle/>
+          <a:p>
+            <a:r>
+              <a:rPr lang="en-US" dirty="0">
+                <a:hlinkClick r:id="rId2"/>
+              </a:rPr>
+              <a:t>https://www.wacker.com/h/en-us/silicone-rubber/silicone-gels/wacker-silgel-612-ab/p/000007546</a:t>
+            </a:r>
+            <a:endParaRPr lang="en-US" dirty="0"/>
+          </a:p>
+          <a:p>
+            <a:endParaRPr lang="en-US" dirty="0"/>
+          </a:p>
+          <a:p>
+            <a:r>
+              <a:rPr lang="en-US" dirty="0"/>
+              <a:t>Silicone gel:</a:t>
+            </a:r>
+          </a:p>
+          <a:p>
+            <a:r>
+              <a:rPr lang="en-US" dirty="0"/>
+              <a:t>Density: 9.7 kg/m^3</a:t>
+            </a:r>
+          </a:p>
+          <a:p>
+            <a:r>
+              <a:rPr lang="en-US" dirty="0"/>
+              <a:t>Resistivity: 10^17 ohm-m</a:t>
+            </a:r>
+          </a:p>
+          <a:p>
+            <a:r>
+              <a:rPr lang="en-US" dirty="0"/>
+              <a:t>Permittivity: 2.7</a:t>
+            </a:r>
+          </a:p>
+        </p:txBody>
+      </p:sp>
+    </p:spTree>
+    <p:extLst>
+      <p:ext uri="{BB962C8B-B14F-4D97-AF65-F5344CB8AC3E}">
+        <p14:creationId xmlns:p14="http://schemas.microsoft.com/office/powerpoint/2010/main" val="2981872386"/>
       </p:ext>
     </p:extLst>
   </p:cSld>
